--- a/presentation/species_mapper_presentation.pptx
+++ b/presentation/species_mapper_presentation.pptx
@@ -120,6 +120,11 @@
       </a:defRPr>
     </a:lvl9pPr>
   </p:defaultTextStyle>
+  <p:extLst>
+    <p:ext uri="{EFAFB233-063F-42B5-8137-9DF3F51BA10A}">
+      <p15:sldGuideLst xmlns:p15="http://schemas.microsoft.com/office/powerpoint/2012/main"/>
+    </p:ext>
+  </p:extLst>
 </p:presentation>
 </file>
 
@@ -168,7 +173,6 @@
               <a:rPr lang="en-US"/>
               <a:t>Click to edit Master title style</a:t>
             </a:r>
-            <a:endParaRPr lang="en-US"/>
           </a:p>
         </p:txBody>
       </p:sp>
@@ -233,7 +237,6 @@
               <a:rPr lang="en-US"/>
               <a:t>Click to edit Master subtitle style</a:t>
             </a:r>
-            <a:endParaRPr lang="en-US"/>
           </a:p>
         </p:txBody>
       </p:sp>
@@ -351,7 +354,6 @@
               <a:rPr lang="en-US"/>
               <a:t>Click to edit Master title style</a:t>
             </a:r>
-            <a:endParaRPr lang="en-US"/>
           </a:p>
         </p:txBody>
       </p:sp>
@@ -403,7 +405,6 @@
               <a:rPr lang="en-US"/>
               <a:t>Fifth level</a:t>
             </a:r>
-            <a:endParaRPr lang="en-US"/>
           </a:p>
         </p:txBody>
       </p:sp>
@@ -526,7 +527,6 @@
               <a:rPr lang="en-US"/>
               <a:t>Click to edit Master title style</a:t>
             </a:r>
-            <a:endParaRPr lang="en-US"/>
           </a:p>
         </p:txBody>
       </p:sp>
@@ -583,7 +583,6 @@
               <a:rPr lang="en-US"/>
               <a:t>Fifth level</a:t>
             </a:r>
-            <a:endParaRPr lang="en-US"/>
           </a:p>
         </p:txBody>
       </p:sp>
@@ -701,7 +700,6 @@
               <a:rPr lang="en-US"/>
               <a:t>Click to edit Master title style</a:t>
             </a:r>
-            <a:endParaRPr lang="en-US"/>
           </a:p>
         </p:txBody>
       </p:sp>
@@ -753,7 +751,6 @@
               <a:rPr lang="en-US"/>
               <a:t>Fifth level</a:t>
             </a:r>
-            <a:endParaRPr lang="en-US"/>
           </a:p>
         </p:txBody>
       </p:sp>
@@ -880,7 +877,6 @@
               <a:rPr lang="en-US"/>
               <a:t>Click to edit Master title style</a:t>
             </a:r>
-            <a:endParaRPr lang="en-US"/>
           </a:p>
         </p:txBody>
       </p:sp>
@@ -1117,7 +1113,6 @@
               <a:rPr lang="en-US"/>
               <a:t>Click to edit Master title style</a:t>
             </a:r>
-            <a:endParaRPr lang="en-US"/>
           </a:p>
         </p:txBody>
       </p:sp>
@@ -1174,7 +1169,6 @@
               <a:rPr lang="en-US"/>
               <a:t>Fifth level</a:t>
             </a:r>
-            <a:endParaRPr lang="en-US"/>
           </a:p>
         </p:txBody>
       </p:sp>
@@ -1231,7 +1225,6 @@
               <a:rPr lang="en-US"/>
               <a:t>Fifth level</a:t>
             </a:r>
-            <a:endParaRPr lang="en-US"/>
           </a:p>
         </p:txBody>
       </p:sp>
@@ -1354,7 +1347,6 @@
               <a:rPr lang="en-US"/>
               <a:t>Click to edit Master title style</a:t>
             </a:r>
-            <a:endParaRPr lang="en-US"/>
           </a:p>
         </p:txBody>
       </p:sp>
@@ -1476,7 +1468,6 @@
               <a:rPr lang="en-US"/>
               <a:t>Fifth level</a:t>
             </a:r>
-            <a:endParaRPr lang="en-US"/>
           </a:p>
         </p:txBody>
       </p:sp>
@@ -1598,7 +1589,6 @@
               <a:rPr lang="en-US"/>
               <a:t>Fifth level</a:t>
             </a:r>
-            <a:endParaRPr lang="en-US"/>
           </a:p>
         </p:txBody>
       </p:sp>
@@ -1716,7 +1706,6 @@
               <a:rPr lang="en-US"/>
               <a:t>Click to edit Master title style</a:t>
             </a:r>
-            <a:endParaRPr lang="en-US"/>
           </a:p>
         </p:txBody>
       </p:sp>
@@ -1938,7 +1927,6 @@
               <a:rPr lang="en-US"/>
               <a:t>Click to edit Master title style</a:t>
             </a:r>
-            <a:endParaRPr lang="en-US"/>
           </a:p>
         </p:txBody>
       </p:sp>
@@ -2023,7 +2011,6 @@
               <a:rPr lang="en-US"/>
               <a:t>Fifth level</a:t>
             </a:r>
-            <a:endParaRPr lang="en-US"/>
           </a:p>
         </p:txBody>
       </p:sp>
@@ -2215,7 +2202,6 @@
               <a:rPr lang="en-US"/>
               <a:t>Click to edit Master title style</a:t>
             </a:r>
-            <a:endParaRPr lang="en-US"/>
           </a:p>
         </p:txBody>
       </p:sp>
@@ -2474,7 +2460,6 @@
               <a:rPr lang="en-US"/>
               <a:t>Click to edit Master title style</a:t>
             </a:r>
-            <a:endParaRPr lang="en-US"/>
           </a:p>
         </p:txBody>
       </p:sp>
@@ -2536,7 +2521,6 @@
               <a:rPr lang="en-US"/>
               <a:t>Fifth level</a:t>
             </a:r>
-            <a:endParaRPr lang="en-US"/>
           </a:p>
         </p:txBody>
       </p:sp>
@@ -4040,7 +4024,15 @@
           <a:p>
             <a:r>
               <a:rPr lang="en-US" dirty="0"/>
-              <a:t>“A Maximum Entropy Approach to Species Distribution Modeling” (2004)</a:t>
+              <a:t>“A Maximum Entropy Approach to Species Distribution Modeling</a:t>
+            </a:r>
+            <a:r>
+              <a:rPr lang="en-US"/>
+              <a:t>” (ICML 2004</a:t>
+            </a:r>
+            <a:r>
+              <a:rPr lang="en-US" dirty="0"/>
+              <a:t>)</a:t>
             </a:r>
           </a:p>
           <a:p>

--- a/presentation/species_mapper_presentation.pptx
+++ b/presentation/species_mapper_presentation.pptx
@@ -2542,17 +2542,17 @@
     </dgm:pt>
   </dgm:ptLst>
   <dgm:cxnLst>
-    <dgm:cxn modelId="{AD32856C-5C89-4444-8320-BD8C522191E5}" type="presOf" srcId="{ADA66DB7-B5F9-43FB-9C75-B890D8BAA696}" destId="{EE38AC9B-6BDC-4EE7-9167-E6764CA90DEA}" srcOrd="0" destOrd="0" presId="urn:microsoft.com/office/officeart/2005/8/layout/process1"/>
+    <dgm:cxn modelId="{CB5D6652-5A6B-49EE-92C3-D2225595FD96}" type="presOf" srcId="{13B4E98E-9285-4392-8C07-B8C40D86DC60}" destId="{75B2707C-FEB9-47F7-A36D-253F28C2DA19}" srcOrd="1" destOrd="0" presId="urn:microsoft.com/office/officeart/2005/8/layout/process1"/>
+    <dgm:cxn modelId="{726A737A-1503-491B-AE3A-B36159EC8AB0}" srcId="{7DDBAB89-0FCC-4AF0-8040-5DDF617F8C1D}" destId="{5DFB9E26-7507-451C-8DF2-D1771E783318}" srcOrd="1" destOrd="0" parTransId="{9720575E-BC2D-4262-9761-E0E568D98E33}" sibTransId="{13B4E98E-9285-4392-8C07-B8C40D86DC60}"/>
+    <dgm:cxn modelId="{7341D7C1-8CB9-4EE5-AB49-C9955E443697}" type="presOf" srcId="{13B4E98E-9285-4392-8C07-B8C40D86DC60}" destId="{C05CC1AD-1FBD-4088-BA7F-A8C4491258EC}" srcOrd="0" destOrd="0" presId="urn:microsoft.com/office/officeart/2005/8/layout/process1"/>
+    <dgm:cxn modelId="{4133F2A3-291E-437F-A776-35493E368A97}" type="presOf" srcId="{5C4A5739-68FA-464E-B75A-11F4D45B820E}" destId="{FC980550-4D0D-4FA0-9DEC-E963D2F7454E}" srcOrd="1" destOrd="0" presId="urn:microsoft.com/office/officeart/2005/8/layout/process1"/>
+    <dgm:cxn modelId="{A2ACE251-EED4-4EAC-88F0-93A757B80BEF}" type="presOf" srcId="{5C4A5739-68FA-464E-B75A-11F4D45B820E}" destId="{49DFF23A-8156-4365-9093-9D7B0F55B08D}" srcOrd="0" destOrd="0" presId="urn:microsoft.com/office/officeart/2005/8/layout/process1"/>
+    <dgm:cxn modelId="{D3C328BA-28CA-4742-B22E-344EC5E708FB}" srcId="{7DDBAB89-0FCC-4AF0-8040-5DDF617F8C1D}" destId="{ADA66DB7-B5F9-43FB-9C75-B890D8BAA696}" srcOrd="0" destOrd="0" parTransId="{746A3B46-8B87-4D9E-97EE-F59684823C83}" sibTransId="{5C4A5739-68FA-464E-B75A-11F4D45B820E}"/>
     <dgm:cxn modelId="{403A0D1D-3C3B-4AFA-9708-A3953412371E}" type="presOf" srcId="{B6957E7D-2A8D-44FE-9C45-5C49D5A71F24}" destId="{82784278-9658-4378-AEA4-CF46ED906A52}" srcOrd="0" destOrd="0" presId="urn:microsoft.com/office/officeart/2005/8/layout/process1"/>
     <dgm:cxn modelId="{CDA8A271-20A9-4915-A9E4-9877D8A9B597}" type="presOf" srcId="{7DDBAB89-0FCC-4AF0-8040-5DDF617F8C1D}" destId="{50E0AE2E-D055-4172-AF81-CD56443E9FF8}" srcOrd="0" destOrd="0" presId="urn:microsoft.com/office/officeart/2005/8/layout/process1"/>
     <dgm:cxn modelId="{2C74CC17-3200-4B85-A3C7-000077720057}" srcId="{7DDBAB89-0FCC-4AF0-8040-5DDF617F8C1D}" destId="{B6957E7D-2A8D-44FE-9C45-5C49D5A71F24}" srcOrd="2" destOrd="0" parTransId="{39F57DA7-AC1D-43D7-AB7F-5309E8E5321D}" sibTransId="{3653B81F-34A7-4EB9-8D44-05A9DC767A69}"/>
-    <dgm:cxn modelId="{D3C328BA-28CA-4742-B22E-344EC5E708FB}" srcId="{7DDBAB89-0FCC-4AF0-8040-5DDF617F8C1D}" destId="{ADA66DB7-B5F9-43FB-9C75-B890D8BAA696}" srcOrd="0" destOrd="0" parTransId="{746A3B46-8B87-4D9E-97EE-F59684823C83}" sibTransId="{5C4A5739-68FA-464E-B75A-11F4D45B820E}"/>
+    <dgm:cxn modelId="{AD32856C-5C89-4444-8320-BD8C522191E5}" type="presOf" srcId="{ADA66DB7-B5F9-43FB-9C75-B890D8BAA696}" destId="{EE38AC9B-6BDC-4EE7-9167-E6764CA90DEA}" srcOrd="0" destOrd="0" presId="urn:microsoft.com/office/officeart/2005/8/layout/process1"/>
     <dgm:cxn modelId="{5D19786B-A1E0-4895-B0C5-D1724B09BB64}" type="presOf" srcId="{5DFB9E26-7507-451C-8DF2-D1771E783318}" destId="{DC158F27-F6CC-49CF-A535-3BA9A41BEA5B}" srcOrd="0" destOrd="0" presId="urn:microsoft.com/office/officeart/2005/8/layout/process1"/>
-    <dgm:cxn modelId="{CB5D6652-5A6B-49EE-92C3-D2225595FD96}" type="presOf" srcId="{13B4E98E-9285-4392-8C07-B8C40D86DC60}" destId="{75B2707C-FEB9-47F7-A36D-253F28C2DA19}" srcOrd="1" destOrd="0" presId="urn:microsoft.com/office/officeart/2005/8/layout/process1"/>
-    <dgm:cxn modelId="{A2ACE251-EED4-4EAC-88F0-93A757B80BEF}" type="presOf" srcId="{5C4A5739-68FA-464E-B75A-11F4D45B820E}" destId="{49DFF23A-8156-4365-9093-9D7B0F55B08D}" srcOrd="0" destOrd="0" presId="urn:microsoft.com/office/officeart/2005/8/layout/process1"/>
-    <dgm:cxn modelId="{726A737A-1503-491B-AE3A-B36159EC8AB0}" srcId="{7DDBAB89-0FCC-4AF0-8040-5DDF617F8C1D}" destId="{5DFB9E26-7507-451C-8DF2-D1771E783318}" srcOrd="1" destOrd="0" parTransId="{9720575E-BC2D-4262-9761-E0E568D98E33}" sibTransId="{13B4E98E-9285-4392-8C07-B8C40D86DC60}"/>
-    <dgm:cxn modelId="{7341D7C1-8CB9-4EE5-AB49-C9955E443697}" type="presOf" srcId="{13B4E98E-9285-4392-8C07-B8C40D86DC60}" destId="{C05CC1AD-1FBD-4088-BA7F-A8C4491258EC}" srcOrd="0" destOrd="0" presId="urn:microsoft.com/office/officeart/2005/8/layout/process1"/>
-    <dgm:cxn modelId="{4133F2A3-291E-437F-A776-35493E368A97}" type="presOf" srcId="{5C4A5739-68FA-464E-B75A-11F4D45B820E}" destId="{FC980550-4D0D-4FA0-9DEC-E963D2F7454E}" srcOrd="1" destOrd="0" presId="urn:microsoft.com/office/officeart/2005/8/layout/process1"/>
     <dgm:cxn modelId="{9E0C4460-DB2E-4781-931B-613EB773E23C}" type="presParOf" srcId="{50E0AE2E-D055-4172-AF81-CD56443E9FF8}" destId="{EE38AC9B-6BDC-4EE7-9167-E6764CA90DEA}" srcOrd="0" destOrd="0" presId="urn:microsoft.com/office/officeart/2005/8/layout/process1"/>
     <dgm:cxn modelId="{8DD93CC6-2F36-4F86-8EF5-303438DC3954}" type="presParOf" srcId="{50E0AE2E-D055-4172-AF81-CD56443E9FF8}" destId="{49DFF23A-8156-4365-9093-9D7B0F55B08D}" srcOrd="1" destOrd="0" presId="urn:microsoft.com/office/officeart/2005/8/layout/process1"/>
     <dgm:cxn modelId="{5705E2DA-5AE3-45BC-96CF-2CF145901BFF}" type="presParOf" srcId="{49DFF23A-8156-4365-9093-9D7B0F55B08D}" destId="{FC980550-4D0D-4FA0-9DEC-E963D2F7454E}" srcOrd="0" destOrd="0" presId="urn:microsoft.com/office/officeart/2005/8/layout/process1"/>
@@ -3029,9 +3029,9 @@
     </dgm:pt>
   </dgm:ptLst>
   <dgm:cxnLst>
-    <dgm:cxn modelId="{16E27CAC-71E4-4330-A437-6DDFB513B1C0}" type="presOf" srcId="{59DE849B-51D5-40FA-B41F-FA7105A74817}" destId="{CC4826FE-0AFB-463C-86DE-3C405F2AB8D0}" srcOrd="0" destOrd="0" presId="urn:microsoft.com/office/officeart/2005/8/layout/process3"/>
     <dgm:cxn modelId="{7873F960-599D-4D4E-9232-89CD06E132F9}" type="presOf" srcId="{264FB0D3-FE78-4146-A99D-CE2034A14048}" destId="{86D1E4B2-6F01-4798-AD31-5283A1D6D0C9}" srcOrd="0" destOrd="1" presId="urn:microsoft.com/office/officeart/2005/8/layout/process3"/>
     <dgm:cxn modelId="{3327352D-64BF-40D1-B446-6C9E32815F4C}" type="presOf" srcId="{2237F6D0-8661-44C3-94EC-F5B8CDF7A0CC}" destId="{5BACA018-B7FC-4C8A-8EF9-0094D8294479}" srcOrd="0" destOrd="0" presId="urn:microsoft.com/office/officeart/2005/8/layout/process3"/>
+    <dgm:cxn modelId="{16E27CAC-71E4-4330-A437-6DDFB513B1C0}" type="presOf" srcId="{59DE849B-51D5-40FA-B41F-FA7105A74817}" destId="{CC4826FE-0AFB-463C-86DE-3C405F2AB8D0}" srcOrd="0" destOrd="0" presId="urn:microsoft.com/office/officeart/2005/8/layout/process3"/>
     <dgm:cxn modelId="{3A1253BF-5BD4-45CF-975E-53D430D4B2AE}" srcId="{981F468A-45B8-426B-BC16-E010DCED1AB8}" destId="{26C078F0-7E12-4558-9E13-4758EB7A4557}" srcOrd="2" destOrd="0" parTransId="{DCD1C763-0E08-419B-8CE8-512821B09ABC}" sibTransId="{AD587F60-31FA-4C34-8D7A-3434E72C8DFF}"/>
     <dgm:cxn modelId="{9B8ACAA7-6181-4574-92DC-AFC3E93A458F}" type="presOf" srcId="{59DE849B-51D5-40FA-B41F-FA7105A74817}" destId="{4C2EFCC2-EACA-4C44-BD7B-35BB5E5159B2}" srcOrd="1" destOrd="0" presId="urn:microsoft.com/office/officeart/2005/8/layout/process3"/>
     <dgm:cxn modelId="{E72E7BD5-F4B5-488B-9A07-38E11F76E313}" type="presOf" srcId="{52A7D389-65ED-432D-A944-34DF1353B19E}" destId="{86D1E4B2-6F01-4798-AD31-5283A1D6D0C9}" srcOrd="0" destOrd="2" presId="urn:microsoft.com/office/officeart/2005/8/layout/process3"/>
@@ -3044,8 +3044,8 @@
     <dgm:cxn modelId="{D409C2A6-FC4E-415A-8D9E-855DBFB1A485}" srcId="{981F468A-45B8-426B-BC16-E010DCED1AB8}" destId="{59DE849B-51D5-40FA-B41F-FA7105A74817}" srcOrd="1" destOrd="0" parTransId="{BC3CAFAA-9445-4D0E-B5E9-9082877F0A36}" sibTransId="{773EF7F2-8ECE-4845-876A-2E1A99B3E09E}"/>
     <dgm:cxn modelId="{2FEADDE9-F099-41E4-A97D-579D97E94853}" type="presOf" srcId="{2237F6D0-8661-44C3-94EC-F5B8CDF7A0CC}" destId="{0AFD4343-E28B-48F8-BD38-5D2416C1F7D7}" srcOrd="1" destOrd="0" presId="urn:microsoft.com/office/officeart/2005/8/layout/process3"/>
     <dgm:cxn modelId="{2E48D1E8-E11A-4278-9CFB-F61C630D8E0D}" srcId="{59DE849B-51D5-40FA-B41F-FA7105A74817}" destId="{264FB0D3-FE78-4146-A99D-CE2034A14048}" srcOrd="1" destOrd="0" parTransId="{E8E3B1D9-CF6E-44E0-BEA3-34B11B81F2CC}" sibTransId="{316556BA-B479-4BB3-9828-97D1600938E7}"/>
+    <dgm:cxn modelId="{C8865D09-4583-489B-95B2-A99F9A113AD5}" srcId="{59DE849B-51D5-40FA-B41F-FA7105A74817}" destId="{52A7D389-65ED-432D-A944-34DF1353B19E}" srcOrd="2" destOrd="0" parTransId="{03F67876-957E-4D61-80E6-B22B64A33C5B}" sibTransId="{BC9943E0-5470-43AF-936A-16B3AE0A631C}"/>
     <dgm:cxn modelId="{F7C441DA-587A-474E-B71A-8B8DF30C6B42}" type="presOf" srcId="{9B50BF34-937A-43F3-B798-86C752B0A4E0}" destId="{872ED0B8-7CBF-4665-B374-82E050D114C0}" srcOrd="1" destOrd="0" presId="urn:microsoft.com/office/officeart/2005/8/layout/process3"/>
-    <dgm:cxn modelId="{C8865D09-4583-489B-95B2-A99F9A113AD5}" srcId="{59DE849B-51D5-40FA-B41F-FA7105A74817}" destId="{52A7D389-65ED-432D-A944-34DF1353B19E}" srcOrd="2" destOrd="0" parTransId="{03F67876-957E-4D61-80E6-B22B64A33C5B}" sibTransId="{BC9943E0-5470-43AF-936A-16B3AE0A631C}"/>
     <dgm:cxn modelId="{0CC3DE95-C58A-4750-8556-46E89C17EDC9}" type="presOf" srcId="{83225FB1-C7FE-4312-9BB0-F2662098B1A1}" destId="{29030BA0-BD24-442E-A958-FB7C950E6C1C}" srcOrd="0" destOrd="0" presId="urn:microsoft.com/office/officeart/2005/8/layout/process3"/>
     <dgm:cxn modelId="{BAF7AB79-5C11-4EAD-83C4-6AD09DC1B2B8}" type="presOf" srcId="{876495BA-0812-4153-8BFD-57F3C7C76D56}" destId="{86D1E4B2-6F01-4798-AD31-5283A1D6D0C9}" srcOrd="0" destOrd="0" presId="urn:microsoft.com/office/officeart/2005/8/layout/process3"/>
     <dgm:cxn modelId="{917ED921-60D2-407D-A96B-57BB3A87CBC0}" srcId="{9B50BF34-937A-43F3-B798-86C752B0A4E0}" destId="{AE1F2A03-081A-4EA9-84BD-C0843349FA2C}" srcOrd="1" destOrd="0" parTransId="{15245247-A78E-479B-8ED2-3AEC9F7B4B77}" sibTransId="{FAAF2779-0642-42AE-AAFB-92F82016B4DE}"/>
@@ -3630,32 +3630,32 @@
     </dgm:pt>
   </dgm:ptLst>
   <dgm:cxnLst>
-    <dgm:cxn modelId="{A9369945-F70B-4F08-9542-9F06C0912AEE}" type="presOf" srcId="{773EF7F2-8ECE-4845-876A-2E1A99B3E09E}" destId="{C4C3694D-55D0-4B36-A928-C09FC3025D06}" srcOrd="0" destOrd="0" presId="urn:microsoft.com/office/officeart/2005/8/layout/process3"/>
+    <dgm:cxn modelId="{2FEADDE9-F099-41E4-A97D-579D97E94853}" type="presOf" srcId="{2237F6D0-8661-44C3-94EC-F5B8CDF7A0CC}" destId="{0AFD4343-E28B-48F8-BD38-5D2416C1F7D7}" srcOrd="1" destOrd="0" presId="urn:microsoft.com/office/officeart/2005/8/layout/process3"/>
+    <dgm:cxn modelId="{2E48D1E8-E11A-4278-9CFB-F61C630D8E0D}" srcId="{59DE849B-51D5-40FA-B41F-FA7105A74817}" destId="{264FB0D3-FE78-4146-A99D-CE2034A14048}" srcOrd="1" destOrd="0" parTransId="{E8E3B1D9-CF6E-44E0-BEA3-34B11B81F2CC}" sibTransId="{316556BA-B479-4BB3-9828-97D1600938E7}"/>
+    <dgm:cxn modelId="{A86677A8-5DED-4E9C-A610-E472288BAEB3}" srcId="{981F468A-45B8-426B-BC16-E010DCED1AB8}" destId="{9B50BF34-937A-43F3-B798-86C752B0A4E0}" srcOrd="0" destOrd="0" parTransId="{7EACBDE4-D1BE-4420-864B-8A00C25FF6AF}" sibTransId="{2237F6D0-8661-44C3-94EC-F5B8CDF7A0CC}"/>
     <dgm:cxn modelId="{5F3DFB47-C324-4485-B311-5AF9CDDE967C}" srcId="{9B50BF34-937A-43F3-B798-86C752B0A4E0}" destId="{83225FB1-C7FE-4312-9BB0-F2662098B1A1}" srcOrd="0" destOrd="0" parTransId="{A1E76595-D8AA-48FD-985D-A2DF6CD93D0A}" sibTransId="{EF7B82D5-F311-442D-A3C0-76E2DC7A1CE0}"/>
     <dgm:cxn modelId="{0CC3DE95-C58A-4750-8556-46E89C17EDC9}" type="presOf" srcId="{83225FB1-C7FE-4312-9BB0-F2662098B1A1}" destId="{29030BA0-BD24-442E-A958-FB7C950E6C1C}" srcOrd="0" destOrd="0" presId="urn:microsoft.com/office/officeart/2005/8/layout/process3"/>
+    <dgm:cxn modelId="{F7C441DA-587A-474E-B71A-8B8DF30C6B42}" type="presOf" srcId="{9B50BF34-937A-43F3-B798-86C752B0A4E0}" destId="{872ED0B8-7CBF-4665-B374-82E050D114C0}" srcOrd="1" destOrd="0" presId="urn:microsoft.com/office/officeart/2005/8/layout/process3"/>
+    <dgm:cxn modelId="{D409C2A6-FC4E-415A-8D9E-855DBFB1A485}" srcId="{981F468A-45B8-426B-BC16-E010DCED1AB8}" destId="{59DE849B-51D5-40FA-B41F-FA7105A74817}" srcOrd="1" destOrd="0" parTransId="{BC3CAFAA-9445-4D0E-B5E9-9082877F0A36}" sibTransId="{773EF7F2-8ECE-4845-876A-2E1A99B3E09E}"/>
     <dgm:cxn modelId="{7873F960-599D-4D4E-9232-89CD06E132F9}" type="presOf" srcId="{264FB0D3-FE78-4146-A99D-CE2034A14048}" destId="{86D1E4B2-6F01-4798-AD31-5283A1D6D0C9}" srcOrd="0" destOrd="1" presId="urn:microsoft.com/office/officeart/2005/8/layout/process3"/>
-    <dgm:cxn modelId="{89CF7D42-C127-4FEE-B46E-133EFA64BA4A}" srcId="{59DE849B-51D5-40FA-B41F-FA7105A74817}" destId="{876495BA-0812-4153-8BFD-57F3C7C76D56}" srcOrd="0" destOrd="0" parTransId="{14C0D4B5-1A03-4AFC-807D-80A68AEDDF40}" sibTransId="{52A4EABB-F2E9-497E-8F60-DDE323740C5E}"/>
-    <dgm:cxn modelId="{D3E98E72-A9E6-4160-A90F-4797EE8CFD4D}" type="presOf" srcId="{26C078F0-7E12-4558-9E13-4758EB7A4557}" destId="{767FC58A-3F0F-4F68-B837-EB97A8590A09}" srcOrd="0" destOrd="0" presId="urn:microsoft.com/office/officeart/2005/8/layout/process3"/>
-    <dgm:cxn modelId="{D722AD50-89FF-41DF-84CF-CBC7686E170C}" srcId="{26C078F0-7E12-4558-9E13-4758EB7A4557}" destId="{4A8A3F0E-02D1-4BCF-A96D-A02BC4E588DE}" srcOrd="0" destOrd="0" parTransId="{DE4AAFE7-9CC1-4912-BE65-7FD5A9E36138}" sibTransId="{FAA2FDC2-FAF9-4EC5-B1B0-623437E5CFF5}"/>
-    <dgm:cxn modelId="{C8865D09-4583-489B-95B2-A99F9A113AD5}" srcId="{59DE849B-51D5-40FA-B41F-FA7105A74817}" destId="{52A7D389-65ED-432D-A944-34DF1353B19E}" srcOrd="2" destOrd="0" parTransId="{03F67876-957E-4D61-80E6-B22B64A33C5B}" sibTransId="{BC9943E0-5470-43AF-936A-16B3AE0A631C}"/>
-    <dgm:cxn modelId="{E72E7BD5-F4B5-488B-9A07-38E11F76E313}" type="presOf" srcId="{52A7D389-65ED-432D-A944-34DF1353B19E}" destId="{86D1E4B2-6F01-4798-AD31-5283A1D6D0C9}" srcOrd="0" destOrd="2" presId="urn:microsoft.com/office/officeart/2005/8/layout/process3"/>
-    <dgm:cxn modelId="{9B8ACAA7-6181-4574-92DC-AFC3E93A458F}" type="presOf" srcId="{59DE849B-51D5-40FA-B41F-FA7105A74817}" destId="{4C2EFCC2-EACA-4C44-BD7B-35BB5E5159B2}" srcOrd="1" destOrd="0" presId="urn:microsoft.com/office/officeart/2005/8/layout/process3"/>
-    <dgm:cxn modelId="{D409C2A6-FC4E-415A-8D9E-855DBFB1A485}" srcId="{981F468A-45B8-426B-BC16-E010DCED1AB8}" destId="{59DE849B-51D5-40FA-B41F-FA7105A74817}" srcOrd="1" destOrd="0" parTransId="{BC3CAFAA-9445-4D0E-B5E9-9082877F0A36}" sibTransId="{773EF7F2-8ECE-4845-876A-2E1A99B3E09E}"/>
-    <dgm:cxn modelId="{2E48D1E8-E11A-4278-9CFB-F61C630D8E0D}" srcId="{59DE849B-51D5-40FA-B41F-FA7105A74817}" destId="{264FB0D3-FE78-4146-A99D-CE2034A14048}" srcOrd="1" destOrd="0" parTransId="{E8E3B1D9-CF6E-44E0-BEA3-34B11B81F2CC}" sibTransId="{316556BA-B479-4BB3-9828-97D1600938E7}"/>
-    <dgm:cxn modelId="{F7C441DA-587A-474E-B71A-8B8DF30C6B42}" type="presOf" srcId="{9B50BF34-937A-43F3-B798-86C752B0A4E0}" destId="{872ED0B8-7CBF-4665-B374-82E050D114C0}" srcOrd="1" destOrd="0" presId="urn:microsoft.com/office/officeart/2005/8/layout/process3"/>
-    <dgm:cxn modelId="{61AB400C-7E84-4E3A-BDE0-AB2F9F2C5216}" type="presOf" srcId="{981F468A-45B8-426B-BC16-E010DCED1AB8}" destId="{7D15B7B0-39CA-4BCF-8A41-EFB4E5B580AF}" srcOrd="0" destOrd="0" presId="urn:microsoft.com/office/officeart/2005/8/layout/process3"/>
-    <dgm:cxn modelId="{A86677A8-5DED-4E9C-A610-E472288BAEB3}" srcId="{981F468A-45B8-426B-BC16-E010DCED1AB8}" destId="{9B50BF34-937A-43F3-B798-86C752B0A4E0}" srcOrd="0" destOrd="0" parTransId="{7EACBDE4-D1BE-4420-864B-8A00C25FF6AF}" sibTransId="{2237F6D0-8661-44C3-94EC-F5B8CDF7A0CC}"/>
+    <dgm:cxn modelId="{3A1253BF-5BD4-45CF-975E-53D430D4B2AE}" srcId="{981F468A-45B8-426B-BC16-E010DCED1AB8}" destId="{26C078F0-7E12-4558-9E13-4758EB7A4557}" srcOrd="2" destOrd="0" parTransId="{DCD1C763-0E08-419B-8CE8-512821B09ABC}" sibTransId="{AD587F60-31FA-4C34-8D7A-3434E72C8DFF}"/>
     <dgm:cxn modelId="{B1E66D76-B178-4FF1-B269-AB8FCAA66ABE}" type="presOf" srcId="{9B50BF34-937A-43F3-B798-86C752B0A4E0}" destId="{2CFC5827-8791-4F85-9373-7456C70DFCDB}" srcOrd="0" destOrd="0" presId="urn:microsoft.com/office/officeart/2005/8/layout/process3"/>
     <dgm:cxn modelId="{3393CF45-2C03-4EA1-AC65-3E373062AE36}" type="presOf" srcId="{773EF7F2-8ECE-4845-876A-2E1A99B3E09E}" destId="{EDC13A4D-3A43-4AF3-96CB-49175A786985}" srcOrd="1" destOrd="0" presId="urn:microsoft.com/office/officeart/2005/8/layout/process3"/>
-    <dgm:cxn modelId="{2FEADDE9-F099-41E4-A97D-579D97E94853}" type="presOf" srcId="{2237F6D0-8661-44C3-94EC-F5B8CDF7A0CC}" destId="{0AFD4343-E28B-48F8-BD38-5D2416C1F7D7}" srcOrd="1" destOrd="0" presId="urn:microsoft.com/office/officeart/2005/8/layout/process3"/>
+    <dgm:cxn modelId="{C8865D09-4583-489B-95B2-A99F9A113AD5}" srcId="{59DE849B-51D5-40FA-B41F-FA7105A74817}" destId="{52A7D389-65ED-432D-A944-34DF1353B19E}" srcOrd="2" destOrd="0" parTransId="{03F67876-957E-4D61-80E6-B22B64A33C5B}" sibTransId="{BC9943E0-5470-43AF-936A-16B3AE0A631C}"/>
+    <dgm:cxn modelId="{BAF7AB79-5C11-4EAD-83C4-6AD09DC1B2B8}" type="presOf" srcId="{876495BA-0812-4153-8BFD-57F3C7C76D56}" destId="{86D1E4B2-6F01-4798-AD31-5283A1D6D0C9}" srcOrd="0" destOrd="0" presId="urn:microsoft.com/office/officeart/2005/8/layout/process3"/>
+    <dgm:cxn modelId="{A9369945-F70B-4F08-9542-9F06C0912AEE}" type="presOf" srcId="{773EF7F2-8ECE-4845-876A-2E1A99B3E09E}" destId="{C4C3694D-55D0-4B36-A928-C09FC3025D06}" srcOrd="0" destOrd="0" presId="urn:microsoft.com/office/officeart/2005/8/layout/process3"/>
     <dgm:cxn modelId="{3327352D-64BF-40D1-B446-6C9E32815F4C}" type="presOf" srcId="{2237F6D0-8661-44C3-94EC-F5B8CDF7A0CC}" destId="{5BACA018-B7FC-4C8A-8EF9-0094D8294479}" srcOrd="0" destOrd="0" presId="urn:microsoft.com/office/officeart/2005/8/layout/process3"/>
-    <dgm:cxn modelId="{16E27CAC-71E4-4330-A437-6DDFB513B1C0}" type="presOf" srcId="{59DE849B-51D5-40FA-B41F-FA7105A74817}" destId="{CC4826FE-0AFB-463C-86DE-3C405F2AB8D0}" srcOrd="0" destOrd="0" presId="urn:microsoft.com/office/officeart/2005/8/layout/process3"/>
+    <dgm:cxn modelId="{89CF7D42-C127-4FEE-B46E-133EFA64BA4A}" srcId="{59DE849B-51D5-40FA-B41F-FA7105A74817}" destId="{876495BA-0812-4153-8BFD-57F3C7C76D56}" srcOrd="0" destOrd="0" parTransId="{14C0D4B5-1A03-4AFC-807D-80A68AEDDF40}" sibTransId="{52A4EABB-F2E9-497E-8F60-DDE323740C5E}"/>
+    <dgm:cxn modelId="{E72E7BD5-F4B5-488B-9A07-38E11F76E313}" type="presOf" srcId="{52A7D389-65ED-432D-A944-34DF1353B19E}" destId="{86D1E4B2-6F01-4798-AD31-5283A1D6D0C9}" srcOrd="0" destOrd="2" presId="urn:microsoft.com/office/officeart/2005/8/layout/process3"/>
     <dgm:cxn modelId="{3C4A8B88-CE87-4387-8A56-EF1A71127901}" type="presOf" srcId="{AE1F2A03-081A-4EA9-84BD-C0843349FA2C}" destId="{29030BA0-BD24-442E-A958-FB7C950E6C1C}" srcOrd="0" destOrd="1" presId="urn:microsoft.com/office/officeart/2005/8/layout/process3"/>
     <dgm:cxn modelId="{917ED921-60D2-407D-A96B-57BB3A87CBC0}" srcId="{9B50BF34-937A-43F3-B798-86C752B0A4E0}" destId="{AE1F2A03-081A-4EA9-84BD-C0843349FA2C}" srcOrd="1" destOrd="0" parTransId="{15245247-A78E-479B-8ED2-3AEC9F7B4B77}" sibTransId="{FAAF2779-0642-42AE-AAFB-92F82016B4DE}"/>
+    <dgm:cxn modelId="{61AB400C-7E84-4E3A-BDE0-AB2F9F2C5216}" type="presOf" srcId="{981F468A-45B8-426B-BC16-E010DCED1AB8}" destId="{7D15B7B0-39CA-4BCF-8A41-EFB4E5B580AF}" srcOrd="0" destOrd="0" presId="urn:microsoft.com/office/officeart/2005/8/layout/process3"/>
+    <dgm:cxn modelId="{9B8ACAA7-6181-4574-92DC-AFC3E93A458F}" type="presOf" srcId="{59DE849B-51D5-40FA-B41F-FA7105A74817}" destId="{4C2EFCC2-EACA-4C44-BD7B-35BB5E5159B2}" srcOrd="1" destOrd="0" presId="urn:microsoft.com/office/officeart/2005/8/layout/process3"/>
+    <dgm:cxn modelId="{16E27CAC-71E4-4330-A437-6DDFB513B1C0}" type="presOf" srcId="{59DE849B-51D5-40FA-B41F-FA7105A74817}" destId="{CC4826FE-0AFB-463C-86DE-3C405F2AB8D0}" srcOrd="0" destOrd="0" presId="urn:microsoft.com/office/officeart/2005/8/layout/process3"/>
+    <dgm:cxn modelId="{D722AD50-89FF-41DF-84CF-CBC7686E170C}" srcId="{26C078F0-7E12-4558-9E13-4758EB7A4557}" destId="{4A8A3F0E-02D1-4BCF-A96D-A02BC4E588DE}" srcOrd="0" destOrd="0" parTransId="{DE4AAFE7-9CC1-4912-BE65-7FD5A9E36138}" sibTransId="{FAA2FDC2-FAF9-4EC5-B1B0-623437E5CFF5}"/>
+    <dgm:cxn modelId="{D3E98E72-A9E6-4160-A90F-4797EE8CFD4D}" type="presOf" srcId="{26C078F0-7E12-4558-9E13-4758EB7A4557}" destId="{767FC58A-3F0F-4F68-B837-EB97A8590A09}" srcOrd="0" destOrd="0" presId="urn:microsoft.com/office/officeart/2005/8/layout/process3"/>
+    <dgm:cxn modelId="{892AD693-1776-4066-9582-4F5F05B14657}" type="presOf" srcId="{4A8A3F0E-02D1-4BCF-A96D-A02BC4E588DE}" destId="{484712E1-F6F0-4779-951F-8E5E218C03F2}" srcOrd="0" destOrd="0" presId="urn:microsoft.com/office/officeart/2005/8/layout/process3"/>
     <dgm:cxn modelId="{6A56052D-E088-40A0-B079-D848FF66E29A}" type="presOf" srcId="{26C078F0-7E12-4558-9E13-4758EB7A4557}" destId="{16714D3C-869E-477F-8EA9-41B62C0A7EFB}" srcOrd="1" destOrd="0" presId="urn:microsoft.com/office/officeart/2005/8/layout/process3"/>
-    <dgm:cxn modelId="{892AD693-1776-4066-9582-4F5F05B14657}" type="presOf" srcId="{4A8A3F0E-02D1-4BCF-A96D-A02BC4E588DE}" destId="{484712E1-F6F0-4779-951F-8E5E218C03F2}" srcOrd="0" destOrd="0" presId="urn:microsoft.com/office/officeart/2005/8/layout/process3"/>
-    <dgm:cxn modelId="{3A1253BF-5BD4-45CF-975E-53D430D4B2AE}" srcId="{981F468A-45B8-426B-BC16-E010DCED1AB8}" destId="{26C078F0-7E12-4558-9E13-4758EB7A4557}" srcOrd="2" destOrd="0" parTransId="{DCD1C763-0E08-419B-8CE8-512821B09ABC}" sibTransId="{AD587F60-31FA-4C34-8D7A-3434E72C8DFF}"/>
-    <dgm:cxn modelId="{BAF7AB79-5C11-4EAD-83C4-6AD09DC1B2B8}" type="presOf" srcId="{876495BA-0812-4153-8BFD-57F3C7C76D56}" destId="{86D1E4B2-6F01-4798-AD31-5283A1D6D0C9}" srcOrd="0" destOrd="0" presId="urn:microsoft.com/office/officeart/2005/8/layout/process3"/>
     <dgm:cxn modelId="{4BE0B49B-7E66-4B28-A09B-82B8CC4839FA}" type="presParOf" srcId="{7D15B7B0-39CA-4BCF-8A41-EFB4E5B580AF}" destId="{4813B62E-9884-43F8-986A-BD1C82242A5B}" srcOrd="0" destOrd="0" presId="urn:microsoft.com/office/officeart/2005/8/layout/process3"/>
     <dgm:cxn modelId="{B9B069D2-9218-472A-9080-DE38C8FCA825}" type="presParOf" srcId="{4813B62E-9884-43F8-986A-BD1C82242A5B}" destId="{2CFC5827-8791-4F85-9373-7456C70DFCDB}" srcOrd="0" destOrd="0" presId="urn:microsoft.com/office/officeart/2005/8/layout/process3"/>
     <dgm:cxn modelId="{9E16F9E2-400D-4A99-81DE-E7B56005548D}" type="presParOf" srcId="{4813B62E-9884-43F8-986A-BD1C82242A5B}" destId="{872ED0B8-7CBF-4665-B374-82E050D114C0}" srcOrd="1" destOrd="0" presId="urn:microsoft.com/office/officeart/2005/8/layout/process3"/>
@@ -12564,7 +12564,7 @@
             </a:pPr>
             <a:r>
               <a:rPr lang="en-US" dirty="0"/>
-              <a:t>Maximum Entropy Modelling</a:t>
+              <a:t>Maximum Entropy Modeling</a:t>
             </a:r>
           </a:p>
           <a:p>
@@ -12919,7 +12919,7 @@
           <a:p>
             <a:r>
               <a:rPr lang="en-US" dirty="0"/>
-              <a:t>Maximum Entropy Modelling</a:t>
+              <a:t>Maximum Entropy Modeling</a:t>
             </a:r>
           </a:p>
         </p:txBody>
@@ -13036,7 +13036,7 @@
           <a:p>
             <a:r>
               <a:rPr lang="en-US" dirty="0"/>
-              <a:t>Maximum Entropy Modelling</a:t>
+              <a:t>Maximum Entropy Modeling</a:t>
             </a:r>
           </a:p>
         </p:txBody>
@@ -13094,7 +13094,6 @@
               <a:rPr lang="en-US" dirty="0"/>
               <a:t>Continuous or Categorical</a:t>
             </a:r>
-            <a:endParaRPr lang="en-US" dirty="0"/>
           </a:p>
           <a:p>
             <a:pPr lvl="1"/>

--- a/presentation/species_mapper_presentation.pptx
+++ b/presentation/species_mapper_presentation.pptx
@@ -12265,7 +12265,7 @@
           <a:p>
             <a:r>
               <a:rPr lang="en-US" dirty="0"/>
-              <a:t>Modelling Species Distribution in the Great Smoky Mountains National Park</a:t>
+              <a:t>Modeling Species Distribution in the Great Smoky Mountains National Park</a:t>
             </a:r>
           </a:p>
         </p:txBody>
@@ -12691,7 +12691,7 @@
           <a:p>
             <a:r>
               <a:rPr lang="en-US" dirty="0"/>
-              <a:t>Species Distribution Modelling</a:t>
+              <a:t>Species Distribution Modeling</a:t>
             </a:r>
           </a:p>
           <a:p>
@@ -12820,7 +12820,7 @@
             </a:pPr>
             <a:r>
               <a:rPr lang="en-US" dirty="0"/>
-              <a:t>Learning legacy/new data pipeline (ML, data engineering)</a:t>
+              <a:t>Learning legacy/new data pipeline (data engineering, ML black box)</a:t>
             </a:r>
           </a:p>
           <a:p>
@@ -12840,13 +12840,8 @@
             </a:pPr>
             <a:r>
               <a:rPr lang="en-US" dirty="0"/>
-              <a:t>Designing Front-end UI/UX (collaboration with </a:t>
+              <a:t>Designing Front-end UI/UX (collaboration with UI/UX professor)</a:t>
             </a:r>
-            <a:r>
-              <a:rPr lang="en-US"/>
-              <a:t>UI/UX professor)</a:t>
-            </a:r>
-            <a:endParaRPr lang="en-US" dirty="0"/>
           </a:p>
           <a:p>
             <a:pPr lvl="1"/>
